--- a/learning/robotics/sailor.pptx
+++ b/learning/robotics/sailor.pptx
@@ -4269,8 +4269,8 @@
           </a:p>
         </p:txBody>
       </p:sp>
-      <mc:AlternateContent xmlns:mc="http://schemas.openxmlformats.org/markup-compatibility/2006" xmlns:a14="http://schemas.microsoft.com/office/drawing/2010/main">
-        <mc:Choice Requires="a14">
+      <mc:AlternateContent xmlns:mc="http://schemas.openxmlformats.org/markup-compatibility/2006">
+        <mc:Choice xmlns:a14="http://schemas.microsoft.com/office/drawing/2010/main" Requires="a14">
           <p:sp>
             <p:nvSpPr>
               <p:cNvPr id="5" name="文本框 4">
@@ -4955,7 +4955,7 @@
             </p:txBody>
           </p:sp>
         </mc:Choice>
-        <mc:Fallback xmlns="">
+        <mc:Fallback>
           <p:sp>
             <p:nvSpPr>
               <p:cNvPr id="5" name="文本框 4">
@@ -9344,14 +9344,14 @@
           </p:nvGrpSpPr>
           <p:grpSpPr>
             <a:xfrm>
-              <a:off x="8125707" y="2279851"/>
-              <a:ext cx="667207" cy="808611"/>
-              <a:chOff x="7273339" y="2449310"/>
-              <a:chExt cx="667207" cy="808611"/>
+              <a:off x="8095415" y="2277697"/>
+              <a:ext cx="697499" cy="810765"/>
+              <a:chOff x="7243047" y="2447156"/>
+              <a:chExt cx="697499" cy="810765"/>
             </a:xfrm>
           </p:grpSpPr>
-          <mc:AlternateContent xmlns:mc="http://schemas.openxmlformats.org/markup-compatibility/2006" xmlns:a14="http://schemas.microsoft.com/office/drawing/2010/main">
-            <mc:Choice Requires="a14">
+          <mc:AlternateContent xmlns:mc="http://schemas.openxmlformats.org/markup-compatibility/2006">
+            <mc:Choice xmlns:a14="http://schemas.microsoft.com/office/drawing/2010/main" Requires="a14">
               <p:sp>
                 <p:nvSpPr>
                   <p:cNvPr id="142" name="内容占位符 2">
@@ -9368,7 +9368,7 @@
                 </p:nvSpPr>
                 <p:spPr>
                   <a:xfrm>
-                    <a:off x="7337811" y="2449310"/>
+                    <a:off x="7243047" y="2447156"/>
                     <a:ext cx="602735" cy="808611"/>
                   </a:xfrm>
                   <a:prstGeom prst="rect">
@@ -9678,7 +9678,7 @@
                 </p:txBody>
               </p:sp>
             </mc:Choice>
-            <mc:Fallback xmlns="">
+            <mc:Fallback>
               <p:sp>
                 <p:nvSpPr>
                   <p:cNvPr id="142" name="内容占位符 2">
@@ -9695,7 +9695,7 @@
                 </p:nvSpPr>
                 <p:spPr>
                   <a:xfrm>
-                    <a:off x="7337811" y="2449310"/>
+                    <a:off x="7243047" y="2447156"/>
                     <a:ext cx="602735" cy="808611"/>
                   </a:xfrm>
                   <a:prstGeom prst="rect">
@@ -9704,7 +9704,7 @@
                   <a:blipFill>
                     <a:blip r:embed="rId9"/>
                     <a:stretch>
-                      <a:fillRect l="-18750" r="-2083"/>
+                      <a:fillRect r="-25000"/>
                     </a:stretch>
                   </a:blipFill>
                 </p:spPr>

--- a/learning/robotics/sailor.pptx
+++ b/learning/robotics/sailor.pptx
@@ -4286,7 +4286,7 @@
             <p:spPr>
               <a:xfrm>
                 <a:off x="181938" y="455614"/>
-                <a:ext cx="8822913" cy="3877985"/>
+                <a:ext cx="8822913" cy="3900235"/>
               </a:xfrm>
               <a:prstGeom prst="rect">
                 <a:avLst/>
@@ -4323,7 +4323,7 @@
                 <a14:m>
                   <m:oMath xmlns:m="http://schemas.openxmlformats.org/officeDocument/2006/math">
                     <m:r>
-                      <a:rPr kumimoji="1" lang="en-US" altLang="zh-CN" i="1" smtClean="0">
+                      <a:rPr kumimoji="1" lang="en-US" altLang="zh-CN" i="1">
                         <a:latin typeface="Cambria Math" panose="02040503050406030204" pitchFamily="18" charset="0"/>
                         <a:ea typeface="Cambria Math" panose="02040503050406030204" pitchFamily="18" charset="0"/>
                         <a:cs typeface="Times New Roman" panose="02020603050405020304" pitchFamily="18" charset="0"/>
@@ -4333,7 +4333,7 @@
                     <m:d>
                       <m:dPr>
                         <m:ctrlPr>
-                          <a:rPr kumimoji="1" lang="en-US" altLang="zh-CN" b="0" i="1" smtClean="0">
+                          <a:rPr kumimoji="1" lang="en-US" altLang="zh-CN" i="1">
                             <a:latin typeface="Cambria Math" panose="02040503050406030204" pitchFamily="18" charset="0"/>
                             <a:ea typeface="Cambria Math" panose="02040503050406030204" pitchFamily="18" charset="0"/>
                             <a:cs typeface="Times New Roman" panose="02020603050405020304" pitchFamily="18" charset="0"/>
@@ -4342,7 +4342,7 @@
                       </m:dPr>
                       <m:e>
                         <m:r>
-                          <a:rPr kumimoji="1" lang="en-US" altLang="zh-CN" b="0" i="1" smtClean="0">
+                          <a:rPr kumimoji="1" lang="en-US" altLang="zh-CN" i="1">
                             <a:latin typeface="Cambria Math" panose="02040503050406030204" pitchFamily="18" charset="0"/>
                             <a:ea typeface="Cambria Math" panose="02040503050406030204" pitchFamily="18" charset="0"/>
                             <a:cs typeface="Times New Roman" panose="02020603050405020304" pitchFamily="18" charset="0"/>
@@ -4350,7 +4350,7 @@
                           <m:t>𝒮</m:t>
                         </m:r>
                         <m:r>
-                          <a:rPr kumimoji="1" lang="en-US" altLang="zh-CN" b="0" i="1" smtClean="0">
+                          <a:rPr kumimoji="1" lang="en-US" altLang="zh-CN" i="1">
                             <a:latin typeface="Cambria Math" panose="02040503050406030204" pitchFamily="18" charset="0"/>
                             <a:ea typeface="Cambria Math" panose="02040503050406030204" pitchFamily="18" charset="0"/>
                             <a:cs typeface="Times New Roman" panose="02020603050405020304" pitchFamily="18" charset="0"/>
@@ -4358,7 +4358,7 @@
                           <m:t>,</m:t>
                         </m:r>
                         <m:r>
-                          <a:rPr kumimoji="1" lang="en-US" altLang="zh-CN" b="0" i="1" smtClean="0">
+                          <a:rPr kumimoji="1" lang="en-US" altLang="zh-CN" i="1">
                             <a:latin typeface="Cambria Math" panose="02040503050406030204" pitchFamily="18" charset="0"/>
                             <a:ea typeface="Cambria Math" panose="02040503050406030204" pitchFamily="18" charset="0"/>
                             <a:cs typeface="Times New Roman" panose="02020603050405020304" pitchFamily="18" charset="0"/>
@@ -4366,7 +4366,7 @@
                           <m:t>𝒜</m:t>
                         </m:r>
                         <m:r>
-                          <a:rPr kumimoji="1" lang="en-US" altLang="zh-CN" b="0" i="1" smtClean="0">
+                          <a:rPr kumimoji="1" lang="en-US" altLang="zh-CN" i="1">
                             <a:latin typeface="Cambria Math" panose="02040503050406030204" pitchFamily="18" charset="0"/>
                             <a:ea typeface="Cambria Math" panose="02040503050406030204" pitchFamily="18" charset="0"/>
                             <a:cs typeface="Times New Roman" panose="02020603050405020304" pitchFamily="18" charset="0"/>
@@ -4374,7 +4374,7 @@
                           <m:t>,</m:t>
                         </m:r>
                         <m:r>
-                          <a:rPr kumimoji="1" lang="en-US" altLang="zh-CN" b="0" i="1" smtClean="0">
+                          <a:rPr kumimoji="1" lang="en-US" altLang="zh-CN" i="1">
                             <a:latin typeface="Cambria Math" panose="02040503050406030204" pitchFamily="18" charset="0"/>
                             <a:ea typeface="Cambria Math" panose="02040503050406030204" pitchFamily="18" charset="0"/>
                             <a:cs typeface="Times New Roman" panose="02020603050405020304" pitchFamily="18" charset="0"/>
@@ -4382,7 +4382,7 @@
                           <m:t>𝒫</m:t>
                         </m:r>
                         <m:r>
-                          <a:rPr kumimoji="1" lang="en-US" altLang="zh-CN" b="0" i="1" smtClean="0">
+                          <a:rPr kumimoji="1" lang="en-US" altLang="zh-CN" i="1">
                             <a:latin typeface="Cambria Math" panose="02040503050406030204" pitchFamily="18" charset="0"/>
                             <a:ea typeface="Cambria Math" panose="02040503050406030204" pitchFamily="18" charset="0"/>
                             <a:cs typeface="Times New Roman" panose="02020603050405020304" pitchFamily="18" charset="0"/>
@@ -4390,7 +4390,7 @@
                           <m:t>,</m:t>
                         </m:r>
                         <m:r>
-                          <a:rPr kumimoji="1" lang="en-US" altLang="zh-CN" b="0" i="1" smtClean="0">
+                          <a:rPr kumimoji="1" lang="en-US" altLang="zh-CN" i="1">
                             <a:latin typeface="Cambria Math" panose="02040503050406030204" pitchFamily="18" charset="0"/>
                             <a:ea typeface="Cambria Math" panose="02040503050406030204" pitchFamily="18" charset="0"/>
                             <a:cs typeface="Times New Roman" panose="02020603050405020304" pitchFamily="18" charset="0"/>
@@ -4398,7 +4398,7 @@
                           <m:t>ℛ</m:t>
                         </m:r>
                         <m:r>
-                          <a:rPr kumimoji="1" lang="en-US" altLang="zh-CN" b="0" i="1" smtClean="0">
+                          <a:rPr kumimoji="1" lang="en-US" altLang="zh-CN" i="1">
                             <a:latin typeface="Cambria Math" panose="02040503050406030204" pitchFamily="18" charset="0"/>
                             <a:ea typeface="Cambria Math" panose="02040503050406030204" pitchFamily="18" charset="0"/>
                             <a:cs typeface="Times New Roman" panose="02020603050405020304" pitchFamily="18" charset="0"/>
@@ -4406,7 +4406,7 @@
                           <m:t>,</m:t>
                         </m:r>
                         <m:r>
-                          <a:rPr kumimoji="1" lang="en-US" altLang="zh-CN" b="0" i="1" smtClean="0">
+                          <a:rPr kumimoji="1" lang="en-US" altLang="zh-CN" i="1">
                             <a:latin typeface="Cambria Math" panose="02040503050406030204" pitchFamily="18" charset="0"/>
                             <a:ea typeface="Cambria Math" panose="02040503050406030204" pitchFamily="18" charset="0"/>
                             <a:cs typeface="Times New Roman" panose="02020603050405020304" pitchFamily="18" charset="0"/>
@@ -4414,7 +4414,7 @@
                           <m:t>𝛾</m:t>
                         </m:r>
                         <m:r>
-                          <a:rPr kumimoji="1" lang="en-US" altLang="zh-CN" b="0" i="1" smtClean="0">
+                          <a:rPr kumimoji="1" lang="en-US" altLang="zh-CN" i="1">
                             <a:latin typeface="Cambria Math" panose="02040503050406030204" pitchFamily="18" charset="0"/>
                             <a:ea typeface="Cambria Math" panose="02040503050406030204" pitchFamily="18" charset="0"/>
                             <a:cs typeface="Times New Roman" panose="02020603050405020304" pitchFamily="18" charset="0"/>
@@ -4424,7 +4424,7 @@
                         <m:sSub>
                           <m:sSubPr>
                             <m:ctrlPr>
-                              <a:rPr kumimoji="1" lang="en-US" altLang="zh-CN" b="0" i="1" smtClean="0">
+                              <a:rPr kumimoji="1" lang="en-US" altLang="zh-CN" i="1">
                                 <a:latin typeface="Cambria Math" panose="02040503050406030204" pitchFamily="18" charset="0"/>
                                 <a:ea typeface="Cambria Math" panose="02040503050406030204" pitchFamily="18" charset="0"/>
                                 <a:cs typeface="Times New Roman" panose="02020603050405020304" pitchFamily="18" charset="0"/>
@@ -4433,7 +4433,7 @@
                           </m:sSubPr>
                           <m:e>
                             <m:r>
-                              <a:rPr kumimoji="1" lang="en-US" altLang="zh-CN" b="0" i="1" smtClean="0">
+                              <a:rPr kumimoji="1" lang="en-US" altLang="zh-CN" i="1">
                                 <a:latin typeface="Cambria Math" panose="02040503050406030204" pitchFamily="18" charset="0"/>
                                 <a:ea typeface="Cambria Math" panose="02040503050406030204" pitchFamily="18" charset="0"/>
                                 <a:cs typeface="Times New Roman" panose="02020603050405020304" pitchFamily="18" charset="0"/>
@@ -4443,7 +4443,7 @@
                           </m:e>
                           <m:sub>
                             <m:r>
-                              <a:rPr kumimoji="1" lang="en-US" altLang="zh-CN" b="0" i="1" smtClean="0">
+                              <a:rPr kumimoji="1" lang="en-US" altLang="zh-CN" i="1">
                                 <a:latin typeface="Cambria Math" panose="02040503050406030204" pitchFamily="18" charset="0"/>
                                 <a:ea typeface="Cambria Math" panose="02040503050406030204" pitchFamily="18" charset="0"/>
                                 <a:cs typeface="Times New Roman" panose="02020603050405020304" pitchFamily="18" charset="0"/>
@@ -4470,54 +4470,45 @@
                       <m:rPr>
                         <m:sty m:val="p"/>
                       </m:rPr>
-                      <a:rPr kumimoji="1" lang="el-GR" altLang="zh-CN" i="1" smtClean="0">
+                      <a:rPr kumimoji="1" lang="el-GR" altLang="zh-CN" i="1">
                         <a:latin typeface="Cambria Math" panose="02040503050406030204" pitchFamily="18" charset="0"/>
                         <a:ea typeface="Cambria Math" panose="02040503050406030204" pitchFamily="18" charset="0"/>
                         <a:cs typeface="Times New Roman" panose="02020603050405020304" pitchFamily="18" charset="0"/>
                       </a:rPr>
                       <m:t>π</m:t>
                     </m:r>
-                    <m:sSub>
-                      <m:sSubPr>
+                    <m:r>
+                      <a:rPr kumimoji="1" lang="en-US" altLang="zh-CN" i="1">
+                        <a:latin typeface="Cambria Math" panose="02040503050406030204" pitchFamily="18" charset="0"/>
+                        <a:ea typeface="Cambria Math" panose="02040503050406030204" pitchFamily="18" charset="0"/>
+                        <a:cs typeface="Times New Roman" panose="02020603050405020304" pitchFamily="18" charset="0"/>
+                      </a:rPr>
+                      <m:t>:  </m:t>
+                    </m:r>
+                    <m:acc>
+                      <m:accPr>
+                        <m:chr m:val="̂"/>
                         <m:ctrlPr>
-                          <a:rPr kumimoji="1" lang="en-US" altLang="zh-CN" i="1" smtClean="0">
+                          <a:rPr kumimoji="1" lang="en-US" altLang="zh-CN" i="1">
                             <a:latin typeface="Cambria Math" panose="02040503050406030204" pitchFamily="18" charset="0"/>
                             <a:ea typeface="Cambria Math" panose="02040503050406030204" pitchFamily="18" charset="0"/>
                             <a:cs typeface="Times New Roman" panose="02020603050405020304" pitchFamily="18" charset="0"/>
                           </a:rPr>
                         </m:ctrlPr>
-                      </m:sSubPr>
+                      </m:accPr>
                       <m:e>
                         <m:r>
-                          <a:rPr kumimoji="1" lang="en-US" altLang="zh-CN" b="0" i="1" smtClean="0">
+                          <a:rPr kumimoji="1" lang="en-US" altLang="zh-CN" i="1">
                             <a:latin typeface="Cambria Math" panose="02040503050406030204" pitchFamily="18" charset="0"/>
                             <a:ea typeface="Cambria Math" panose="02040503050406030204" pitchFamily="18" charset="0"/>
                             <a:cs typeface="Times New Roman" panose="02020603050405020304" pitchFamily="18" charset="0"/>
                           </a:rPr>
-                          <m:t>: </m:t>
-                        </m:r>
-                        <m:r>
-                          <a:rPr kumimoji="1" lang="en-US" altLang="zh-CN" b="0" i="1" smtClean="0">
-                            <a:latin typeface="Cambria Math" panose="02040503050406030204" pitchFamily="18" charset="0"/>
-                            <a:ea typeface="Cambria Math" panose="02040503050406030204" pitchFamily="18" charset="0"/>
-                            <a:cs typeface="Times New Roman" panose="02020603050405020304" pitchFamily="18" charset="0"/>
-                          </a:rPr>
-                          <m:t>𝑎</m:t>
+                          <m:t>𝑧</m:t>
                         </m:r>
                       </m:e>
-                      <m:sub>
-                        <m:r>
-                          <a:rPr kumimoji="1" lang="en-US" altLang="zh-CN" b="0" i="1" smtClean="0">
-                            <a:latin typeface="Cambria Math" panose="02040503050406030204" pitchFamily="18" charset="0"/>
-                            <a:ea typeface="Cambria Math" panose="02040503050406030204" pitchFamily="18" charset="0"/>
-                            <a:cs typeface="Times New Roman" panose="02020603050405020304" pitchFamily="18" charset="0"/>
-                          </a:rPr>
-                          <m:t>𝑡</m:t>
-                        </m:r>
-                      </m:sub>
-                    </m:sSub>
+                    </m:acc>
                     <m:r>
-                      <a:rPr kumimoji="1" lang="en-US" altLang="zh-CN" b="0" i="1" smtClean="0">
+                      <a:rPr kumimoji="1" lang="en-US" altLang="zh-CN" i="1">
                         <a:latin typeface="Cambria Math" panose="02040503050406030204" pitchFamily="18" charset="0"/>
                         <a:ea typeface="Cambria Math" panose="02040503050406030204" pitchFamily="18" charset="0"/>
                         <a:cs typeface="Times New Roman" panose="02020603050405020304" pitchFamily="18" charset="0"/>
@@ -4525,7 +4516,7 @@
                       <m:t>=</m:t>
                     </m:r>
                     <m:r>
-                      <a:rPr kumimoji="1" lang="en-US" altLang="zh-CN" b="0" i="1" smtClean="0">
+                      <a:rPr kumimoji="1" lang="en-US" altLang="zh-CN" i="1">
                         <a:latin typeface="Cambria Math" panose="02040503050406030204" pitchFamily="18" charset="0"/>
                         <a:ea typeface="Cambria Math" panose="02040503050406030204" pitchFamily="18" charset="0"/>
                         <a:cs typeface="Times New Roman" panose="02020603050405020304" pitchFamily="18" charset="0"/>
@@ -4533,7 +4524,7 @@
                       <m:t>𝜋</m:t>
                     </m:r>
                     <m:r>
-                      <a:rPr kumimoji="1" lang="en-US" altLang="zh-CN" b="0" i="1" smtClean="0">
+                      <a:rPr kumimoji="1" lang="en-US" altLang="zh-CN" i="1">
                         <a:latin typeface="Cambria Math" panose="02040503050406030204" pitchFamily="18" charset="0"/>
                         <a:ea typeface="Cambria Math" panose="02040503050406030204" pitchFamily="18" charset="0"/>
                         <a:cs typeface="Times New Roman" panose="02020603050405020304" pitchFamily="18" charset="0"/>
@@ -4543,7 +4534,7 @@
                     <m:sSub>
                       <m:sSubPr>
                         <m:ctrlPr>
-                          <a:rPr kumimoji="1" lang="en-US" altLang="zh-CN" b="0" i="1" smtClean="0">
+                          <a:rPr kumimoji="1" lang="en-US" altLang="zh-CN" i="1">
                             <a:latin typeface="Cambria Math" panose="02040503050406030204" pitchFamily="18" charset="0"/>
                             <a:ea typeface="Cambria Math" panose="02040503050406030204" pitchFamily="18" charset="0"/>
                             <a:cs typeface="Times New Roman" panose="02020603050405020304" pitchFamily="18" charset="0"/>
@@ -4552,27 +4543,27 @@
                       </m:sSubPr>
                       <m:e>
                         <m:r>
-                          <a:rPr kumimoji="1" lang="en-US" altLang="zh-CN" b="0" i="1" smtClean="0">
+                          <a:rPr kumimoji="1" lang="en-US" altLang="zh-CN" i="1">
                             <a:latin typeface="Cambria Math" panose="02040503050406030204" pitchFamily="18" charset="0"/>
                             <a:ea typeface="Cambria Math" panose="02040503050406030204" pitchFamily="18" charset="0"/>
                             <a:cs typeface="Times New Roman" panose="02020603050405020304" pitchFamily="18" charset="0"/>
                           </a:rPr>
-                          <m:t>𝑠</m:t>
+                          <m:t>𝑜</m:t>
                         </m:r>
                       </m:e>
                       <m:sub>
                         <m:r>
-                          <a:rPr kumimoji="1" lang="en-US" altLang="zh-CN" b="0" i="1" smtClean="0">
+                          <a:rPr kumimoji="1" lang="en-US" altLang="zh-CN" i="1">
                             <a:latin typeface="Cambria Math" panose="02040503050406030204" pitchFamily="18" charset="0"/>
                             <a:ea typeface="Cambria Math" panose="02040503050406030204" pitchFamily="18" charset="0"/>
                             <a:cs typeface="Times New Roman" panose="02020603050405020304" pitchFamily="18" charset="0"/>
                           </a:rPr>
-                          <m:t>𝑡</m:t>
+                          <m:t>𝑓𝑠</m:t>
                         </m:r>
                       </m:sub>
                     </m:sSub>
                     <m:r>
-                      <a:rPr kumimoji="1" lang="en-US" altLang="zh-CN" b="0" i="1" smtClean="0">
+                      <a:rPr kumimoji="1" lang="en-US" altLang="zh-CN" i="1">
                         <a:latin typeface="Cambria Math" panose="02040503050406030204" pitchFamily="18" charset="0"/>
                         <a:ea typeface="Cambria Math" panose="02040503050406030204" pitchFamily="18" charset="0"/>
                         <a:cs typeface="Times New Roman" panose="02020603050405020304" pitchFamily="18" charset="0"/>
@@ -4587,12 +4578,20 @@
                     <a:ea typeface="Cambria Math" panose="02040503050406030204" pitchFamily="18" charset="0"/>
                     <a:cs typeface="Times New Roman" panose="02020603050405020304" pitchFamily="18" charset="0"/>
                   </a:rPr>
-                  <a:t> to minimize </a:t>
+                  <a:t> to maximize t</a:t>
+                </a:r>
+                <a:r>
+                  <a:rPr kumimoji="1" lang="en" altLang="zh-CN" dirty="0">
+                    <a:latin typeface="Times New Roman" panose="02020603050405020304" pitchFamily="18" charset="0"/>
+                    <a:ea typeface="Cambria Math" panose="02040503050406030204" pitchFamily="18" charset="0"/>
+                    <a:cs typeface="Times New Roman" panose="02020603050405020304" pitchFamily="18" charset="0"/>
+                  </a:rPr>
+                  <a:t>he discounted sum of rewards (</a:t>
                 </a:r>
                 <a14:m>
                   <m:oMath xmlns:m="http://schemas.openxmlformats.org/officeDocument/2006/math">
                     <m:r>
-                      <a:rPr kumimoji="1" lang="en-US" altLang="zh-CN" i="1" smtClean="0">
+                      <a:rPr kumimoji="1" lang="en-US" altLang="zh-CN" i="1">
                         <a:latin typeface="Cambria Math" panose="02040503050406030204" pitchFamily="18" charset="0"/>
                         <a:ea typeface="Cambria Math" panose="02040503050406030204" pitchFamily="18" charset="0"/>
                         <a:cs typeface="Times New Roman" panose="02020603050405020304" pitchFamily="18" charset="0"/>
@@ -4604,7 +4603,7 @@
                         <m:begChr m:val="["/>
                         <m:endChr m:val="]"/>
                         <m:ctrlPr>
-                          <a:rPr kumimoji="1" lang="en-US" altLang="zh-CN" b="0" i="1" smtClean="0">
+                          <a:rPr kumimoji="1" lang="en-US" altLang="zh-CN" i="1">
                             <a:latin typeface="Cambria Math" panose="02040503050406030204" pitchFamily="18" charset="0"/>
                             <a:ea typeface="Cambria Math" panose="02040503050406030204" pitchFamily="18" charset="0"/>
                             <a:cs typeface="Times New Roman" panose="02020603050405020304" pitchFamily="18" charset="0"/>
@@ -4617,7 +4616,7 @@
                             <m:chr m:val="∑"/>
                             <m:limLoc m:val="subSup"/>
                             <m:ctrlPr>
-                              <a:rPr kumimoji="1" lang="en-US" altLang="zh-CN" b="0" i="1" smtClean="0">
+                              <a:rPr kumimoji="1" lang="en-US" altLang="zh-CN" i="1">
                                 <a:latin typeface="Cambria Math" panose="02040503050406030204" pitchFamily="18" charset="0"/>
                                 <a:ea typeface="Cambria Math" panose="02040503050406030204" pitchFamily="18" charset="0"/>
                                 <a:cs typeface="Times New Roman" panose="02020603050405020304" pitchFamily="18" charset="0"/>
@@ -4629,7 +4628,7 @@
                               <m:rPr>
                                 <m:brk m:alnAt="25"/>
                               </m:rPr>
-                              <a:rPr kumimoji="1" lang="en-US" altLang="zh-CN" b="0" i="1" smtClean="0">
+                              <a:rPr kumimoji="1" lang="en-US" altLang="zh-CN" i="1">
                                 <a:latin typeface="Cambria Math" panose="02040503050406030204" pitchFamily="18" charset="0"/>
                                 <a:ea typeface="Cambria Math" panose="02040503050406030204" pitchFamily="18" charset="0"/>
                                 <a:cs typeface="Times New Roman" panose="02020603050405020304" pitchFamily="18" charset="0"/>
@@ -4637,7 +4636,7 @@
                               <m:t>𝑡</m:t>
                             </m:r>
                             <m:r>
-                              <a:rPr kumimoji="1" lang="en-US" altLang="zh-CN" b="0" i="1" smtClean="0">
+                              <a:rPr kumimoji="1" lang="en-US" altLang="zh-CN" i="1">
                                 <a:latin typeface="Cambria Math" panose="02040503050406030204" pitchFamily="18" charset="0"/>
                                 <a:ea typeface="Cambria Math" panose="02040503050406030204" pitchFamily="18" charset="0"/>
                                 <a:cs typeface="Times New Roman" panose="02020603050405020304" pitchFamily="18" charset="0"/>
@@ -4647,7 +4646,7 @@
                           </m:sub>
                           <m:sup>
                             <m:r>
-                              <a:rPr kumimoji="1" lang="en-US" altLang="zh-CN" b="0" i="1" smtClean="0">
+                              <a:rPr kumimoji="1" lang="en-US" altLang="zh-CN" i="1">
                                 <a:latin typeface="Cambria Math" panose="02040503050406030204" pitchFamily="18" charset="0"/>
                                 <a:ea typeface="Cambria Math" panose="02040503050406030204" pitchFamily="18" charset="0"/>
                                 <a:cs typeface="Times New Roman" panose="02020603050405020304" pitchFamily="18" charset="0"/>
@@ -4659,7 +4658,7 @@
                             <m:sSup>
                               <m:sSupPr>
                                 <m:ctrlPr>
-                                  <a:rPr kumimoji="1" lang="en-US" altLang="zh-CN" b="0" i="1" smtClean="0">
+                                  <a:rPr kumimoji="1" lang="en-US" altLang="zh-CN" i="1">
                                     <a:latin typeface="Cambria Math" panose="02040503050406030204" pitchFamily="18" charset="0"/>
                                     <a:ea typeface="Cambria Math" panose="02040503050406030204" pitchFamily="18" charset="0"/>
                                     <a:cs typeface="Times New Roman" panose="02020603050405020304" pitchFamily="18" charset="0"/>
@@ -4668,7 +4667,7 @@
                               </m:sSupPr>
                               <m:e>
                                 <m:r>
-                                  <a:rPr kumimoji="1" lang="en-US" altLang="zh-CN" b="0" i="1" smtClean="0">
+                                  <a:rPr kumimoji="1" lang="en-US" altLang="zh-CN" i="1">
                                     <a:latin typeface="Cambria Math" panose="02040503050406030204" pitchFamily="18" charset="0"/>
                                     <a:ea typeface="Cambria Math" panose="02040503050406030204" pitchFamily="18" charset="0"/>
                                     <a:cs typeface="Times New Roman" panose="02020603050405020304" pitchFamily="18" charset="0"/>
@@ -4678,7 +4677,7 @@
                               </m:e>
                               <m:sup>
                                 <m:r>
-                                  <a:rPr kumimoji="1" lang="en-US" altLang="zh-CN" b="0" i="1" smtClean="0">
+                                  <a:rPr kumimoji="1" lang="en-US" altLang="zh-CN" i="1">
                                     <a:latin typeface="Cambria Math" panose="02040503050406030204" pitchFamily="18" charset="0"/>
                                     <a:ea typeface="Cambria Math" panose="02040503050406030204" pitchFamily="18" charset="0"/>
                                     <a:cs typeface="Times New Roman" panose="02020603050405020304" pitchFamily="18" charset="0"/>
@@ -4688,7 +4687,7 @@
                               </m:sup>
                             </m:sSup>
                             <m:r>
-                              <a:rPr kumimoji="1" lang="en-US" altLang="zh-CN" b="0" i="1" smtClean="0">
+                              <a:rPr kumimoji="1" lang="en-US" altLang="zh-CN" i="1">
                                 <a:latin typeface="Cambria Math" panose="02040503050406030204" pitchFamily="18" charset="0"/>
                                 <a:ea typeface="Cambria Math" panose="02040503050406030204" pitchFamily="18" charset="0"/>
                                 <a:cs typeface="Times New Roman" panose="02020603050405020304" pitchFamily="18" charset="0"/>
@@ -4698,7 +4697,7 @@
                             <m:d>
                               <m:dPr>
                                 <m:ctrlPr>
-                                  <a:rPr kumimoji="1" lang="en-US" altLang="zh-CN" b="0" i="1" smtClean="0">
+                                  <a:rPr kumimoji="1" lang="en-US" altLang="zh-CN" i="1">
                                     <a:latin typeface="Cambria Math" panose="02040503050406030204" pitchFamily="18" charset="0"/>
                                     <a:ea typeface="Cambria Math" panose="02040503050406030204" pitchFamily="18" charset="0"/>
                                     <a:cs typeface="Times New Roman" panose="02020603050405020304" pitchFamily="18" charset="0"/>
@@ -4709,7 +4708,7 @@
                                 <m:sSub>
                                   <m:sSubPr>
                                     <m:ctrlPr>
-                                      <a:rPr kumimoji="1" lang="en-US" altLang="zh-CN" b="0" i="1" smtClean="0">
+                                      <a:rPr kumimoji="1" lang="en-US" altLang="zh-CN" i="1">
                                         <a:latin typeface="Cambria Math" panose="02040503050406030204" pitchFamily="18" charset="0"/>
                                         <a:ea typeface="Cambria Math" panose="02040503050406030204" pitchFamily="18" charset="0"/>
                                         <a:cs typeface="Times New Roman" panose="02020603050405020304" pitchFamily="18" charset="0"/>
@@ -4718,7 +4717,7 @@
                                   </m:sSubPr>
                                   <m:e>
                                     <m:r>
-                                      <a:rPr kumimoji="1" lang="en-US" altLang="zh-CN" b="0" i="1" smtClean="0">
+                                      <a:rPr kumimoji="1" lang="en-US" altLang="zh-CN" i="1">
                                         <a:latin typeface="Cambria Math" panose="02040503050406030204" pitchFamily="18" charset="0"/>
                                         <a:ea typeface="Cambria Math" panose="02040503050406030204" pitchFamily="18" charset="0"/>
                                         <a:cs typeface="Times New Roman" panose="02020603050405020304" pitchFamily="18" charset="0"/>
@@ -4728,7 +4727,7 @@
                                   </m:e>
                                   <m:sub>
                                     <m:r>
-                                      <a:rPr kumimoji="1" lang="en-US" altLang="zh-CN" b="0" i="1" smtClean="0">
+                                      <a:rPr kumimoji="1" lang="en-US" altLang="zh-CN" i="1">
                                         <a:latin typeface="Cambria Math" panose="02040503050406030204" pitchFamily="18" charset="0"/>
                                         <a:ea typeface="Cambria Math" panose="02040503050406030204" pitchFamily="18" charset="0"/>
                                         <a:cs typeface="Times New Roman" panose="02020603050405020304" pitchFamily="18" charset="0"/>
@@ -4738,7 +4737,7 @@
                                   </m:sub>
                                 </m:sSub>
                                 <m:r>
-                                  <a:rPr kumimoji="1" lang="en-US" altLang="zh-CN" b="0" i="1" smtClean="0">
+                                  <a:rPr kumimoji="1" lang="en-US" altLang="zh-CN" i="1">
                                     <a:latin typeface="Cambria Math" panose="02040503050406030204" pitchFamily="18" charset="0"/>
                                     <a:ea typeface="Cambria Math" panose="02040503050406030204" pitchFamily="18" charset="0"/>
                                     <a:cs typeface="Times New Roman" panose="02020603050405020304" pitchFamily="18" charset="0"/>
@@ -4748,7 +4747,7 @@
                                 <m:sSub>
                                   <m:sSubPr>
                                     <m:ctrlPr>
-                                      <a:rPr kumimoji="1" lang="en-US" altLang="zh-CN" b="0" i="1" smtClean="0">
+                                      <a:rPr kumimoji="1" lang="en-US" altLang="zh-CN" i="1">
                                         <a:latin typeface="Cambria Math" panose="02040503050406030204" pitchFamily="18" charset="0"/>
                                         <a:ea typeface="Cambria Math" panose="02040503050406030204" pitchFamily="18" charset="0"/>
                                         <a:cs typeface="Times New Roman" panose="02020603050405020304" pitchFamily="18" charset="0"/>
@@ -4757,7 +4756,7 @@
                                   </m:sSubPr>
                                   <m:e>
                                     <m:r>
-                                      <a:rPr kumimoji="1" lang="en-US" altLang="zh-CN" b="0" i="1" smtClean="0">
+                                      <a:rPr kumimoji="1" lang="en-US" altLang="zh-CN" i="1">
                                         <a:latin typeface="Cambria Math" panose="02040503050406030204" pitchFamily="18" charset="0"/>
                                         <a:ea typeface="Cambria Math" panose="02040503050406030204" pitchFamily="18" charset="0"/>
                                         <a:cs typeface="Times New Roman" panose="02020603050405020304" pitchFamily="18" charset="0"/>
@@ -4767,7 +4766,7 @@
                                   </m:e>
                                   <m:sub>
                                     <m:r>
-                                      <a:rPr kumimoji="1" lang="en-US" altLang="zh-CN" b="0" i="1" smtClean="0">
+                                      <a:rPr kumimoji="1" lang="en-US" altLang="zh-CN" i="1">
                                         <a:latin typeface="Cambria Math" panose="02040503050406030204" pitchFamily="18" charset="0"/>
                                         <a:ea typeface="Cambria Math" panose="02040503050406030204" pitchFamily="18" charset="0"/>
                                         <a:cs typeface="Times New Roman" panose="02020603050405020304" pitchFamily="18" charset="0"/>
@@ -4777,7 +4776,7 @@
                                   </m:sub>
                                 </m:sSub>
                                 <m:r>
-                                  <a:rPr kumimoji="1" lang="en-US" altLang="zh-CN" b="0" i="1" smtClean="0">
+                                  <a:rPr kumimoji="1" lang="en-US" altLang="zh-CN" i="1">
                                     <a:latin typeface="Cambria Math" panose="02040503050406030204" pitchFamily="18" charset="0"/>
                                     <a:ea typeface="Cambria Math" panose="02040503050406030204" pitchFamily="18" charset="0"/>
                                     <a:cs typeface="Times New Roman" panose="02020603050405020304" pitchFamily="18" charset="0"/>
@@ -4787,7 +4786,7 @@
                                 <m:sSub>
                                   <m:sSubPr>
                                     <m:ctrlPr>
-                                      <a:rPr kumimoji="1" lang="en-US" altLang="zh-CN" b="0" i="1" smtClean="0">
+                                      <a:rPr kumimoji="1" lang="en-US" altLang="zh-CN" i="1">
                                         <a:latin typeface="Cambria Math" panose="02040503050406030204" pitchFamily="18" charset="0"/>
                                         <a:ea typeface="Cambria Math" panose="02040503050406030204" pitchFamily="18" charset="0"/>
                                         <a:cs typeface="Times New Roman" panose="02020603050405020304" pitchFamily="18" charset="0"/>
@@ -4796,7 +4795,7 @@
                                   </m:sSubPr>
                                   <m:e>
                                     <m:r>
-                                      <a:rPr kumimoji="1" lang="en-US" altLang="zh-CN" b="0" i="1" smtClean="0">
+                                      <a:rPr kumimoji="1" lang="en-US" altLang="zh-CN" i="1">
                                         <a:latin typeface="Cambria Math" panose="02040503050406030204" pitchFamily="18" charset="0"/>
                                         <a:ea typeface="Cambria Math" panose="02040503050406030204" pitchFamily="18" charset="0"/>
                                         <a:cs typeface="Times New Roman" panose="02020603050405020304" pitchFamily="18" charset="0"/>
@@ -4806,7 +4805,7 @@
                                   </m:e>
                                   <m:sub>
                                     <m:r>
-                                      <a:rPr kumimoji="1" lang="en-US" altLang="zh-CN" b="0" i="1" smtClean="0">
+                                      <a:rPr kumimoji="1" lang="en-US" altLang="zh-CN" i="1">
                                         <a:latin typeface="Cambria Math" panose="02040503050406030204" pitchFamily="18" charset="0"/>
                                         <a:ea typeface="Cambria Math" panose="02040503050406030204" pitchFamily="18" charset="0"/>
                                         <a:cs typeface="Times New Roman" panose="02020603050405020304" pitchFamily="18" charset="0"/>
@@ -4814,7 +4813,7 @@
                                       <m:t>𝑡</m:t>
                                     </m:r>
                                     <m:r>
-                                      <a:rPr kumimoji="1" lang="en-US" altLang="zh-CN" b="0" i="1" smtClean="0">
+                                      <a:rPr kumimoji="1" lang="en-US" altLang="zh-CN" i="1">
                                         <a:latin typeface="Cambria Math" panose="02040503050406030204" pitchFamily="18" charset="0"/>
                                         <a:ea typeface="Cambria Math" panose="02040503050406030204" pitchFamily="18" charset="0"/>
                                         <a:cs typeface="Times New Roman" panose="02020603050405020304" pitchFamily="18" charset="0"/>
@@ -4831,6 +4830,30 @@
                     </m:d>
                   </m:oMath>
                 </a14:m>
+                <a:r>
+                  <a:rPr kumimoji="1" lang="en-US" altLang="zh-CN" dirty="0">
+                    <a:latin typeface="Times New Roman" panose="02020603050405020304" pitchFamily="18" charset="0"/>
+                    <a:ea typeface="Cambria Math" panose="02040503050406030204" pitchFamily="18" charset="0"/>
+                    <a:cs typeface="Times New Roman" panose="02020603050405020304" pitchFamily="18" charset="0"/>
+                  </a:rPr>
+                  <a:t>) </a:t>
+                </a:r>
+                <a:r>
+                  <a:rPr kumimoji="1" lang="en" altLang="zh-CN" dirty="0">
+                    <a:latin typeface="Times New Roman" panose="02020603050405020304" pitchFamily="18" charset="0"/>
+                    <a:ea typeface="Cambria Math" panose="02040503050406030204" pitchFamily="18" charset="0"/>
+                    <a:cs typeface="Times New Roman" panose="02020603050405020304" pitchFamily="18" charset="0"/>
+                  </a:rPr>
+                  <a:t>for </a:t>
+                </a:r>
+                <a:r>
+                  <a:rPr kumimoji="1" lang="en" altLang="zh-CN">
+                    <a:latin typeface="Times New Roman" panose="02020603050405020304" pitchFamily="18" charset="0"/>
+                    <a:ea typeface="Cambria Math" panose="02040503050406030204" pitchFamily="18" charset="0"/>
+                    <a:cs typeface="Times New Roman" panose="02020603050405020304" pitchFamily="18" charset="0"/>
+                  </a:rPr>
+                  <a:t>the task.</a:t>
+                </a:r>
                 <a:endParaRPr kumimoji="1" lang="en-US" altLang="zh-CN" dirty="0">
                   <a:latin typeface="Times New Roman" panose="02020603050405020304" pitchFamily="18" charset="0"/>
                   <a:ea typeface="Cambria Math" panose="02040503050406030204" pitchFamily="18" charset="0"/>
@@ -4973,7 +4996,7 @@
             <p:spPr>
               <a:xfrm>
                 <a:off x="181938" y="455614"/>
-                <a:ext cx="8822913" cy="3877985"/>
+                <a:ext cx="8822913" cy="3900235"/>
               </a:xfrm>
               <a:prstGeom prst="rect">
                 <a:avLst/>
@@ -4981,7 +5004,7 @@
               <a:blipFill>
                 <a:blip r:embed="rId5"/>
                 <a:stretch>
-                  <a:fillRect l="-1580" t="-1967"/>
+                  <a:fillRect l="-1580" t="-1954"/>
                 </a:stretch>
               </a:blipFill>
             </p:spPr>
@@ -9350,8 +9373,8 @@
               <a:chExt cx="697499" cy="810765"/>
             </a:xfrm>
           </p:grpSpPr>
-          <mc:AlternateContent xmlns:mc="http://schemas.openxmlformats.org/markup-compatibility/2006">
-            <mc:Choice xmlns:a14="http://schemas.microsoft.com/office/drawing/2010/main" Requires="a14">
+          <mc:AlternateContent xmlns:mc="http://schemas.openxmlformats.org/markup-compatibility/2006" xmlns:a14="http://schemas.microsoft.com/office/drawing/2010/main">
+            <mc:Choice Requires="a14">
               <p:sp>
                 <p:nvSpPr>
                   <p:cNvPr id="142" name="内容占位符 2">
@@ -9678,7 +9701,7 @@
                 </p:txBody>
               </p:sp>
             </mc:Choice>
-            <mc:Fallback>
+            <mc:Fallback xmlns="">
               <p:sp>
                 <p:nvSpPr>
                   <p:cNvPr id="142" name="内容占位符 2">
@@ -12596,8 +12619,8 @@
           </a:p>
         </p:txBody>
       </p:sp>
-      <mc:AlternateContent xmlns:mc="http://schemas.openxmlformats.org/markup-compatibility/2006" xmlns:a14="http://schemas.microsoft.com/office/drawing/2010/main">
-        <mc:Choice Requires="a14">
+      <mc:AlternateContent xmlns:mc="http://schemas.openxmlformats.org/markup-compatibility/2006">
+        <mc:Choice xmlns:a14="http://schemas.microsoft.com/office/drawing/2010/main" Requires="a14">
           <p:sp>
             <p:nvSpPr>
               <p:cNvPr id="5" name="文本框 4">
@@ -12613,7 +12636,7 @@
             <p:spPr>
               <a:xfrm>
                 <a:off x="181938" y="455614"/>
-                <a:ext cx="8822913" cy="1384995"/>
+                <a:ext cx="8822913" cy="1446743"/>
               </a:xfrm>
               <a:prstGeom prst="rect">
                 <a:avLst/>
@@ -12637,6 +12660,7 @@
               </a:p>
               <a:p>
                 <a:pPr marL="342900" indent="-342900">
+                  <a:buFontTx/>
                   <a:buAutoNum type="arabicPeriod"/>
                 </a:pPr>
                 <a:r>
@@ -12797,15 +12821,24 @@
                       <m:rPr>
                         <m:sty m:val="p"/>
                       </m:rPr>
-                      <a:rPr kumimoji="1" lang="el-GR" altLang="zh-CN" i="1" smtClean="0">
+                      <a:rPr kumimoji="1" lang="el-GR" altLang="zh-CN" i="1">
                         <a:latin typeface="Cambria Math" panose="02040503050406030204" pitchFamily="18" charset="0"/>
                         <a:ea typeface="Cambria Math" panose="02040503050406030204" pitchFamily="18" charset="0"/>
                         <a:cs typeface="Times New Roman" panose="02020603050405020304" pitchFamily="18" charset="0"/>
                       </a:rPr>
                       <m:t>π</m:t>
                     </m:r>
-                    <m:sSub>
-                      <m:sSubPr>
+                    <m:r>
+                      <a:rPr kumimoji="1" lang="en-US" altLang="zh-CN" i="1">
+                        <a:latin typeface="Cambria Math" panose="02040503050406030204" pitchFamily="18" charset="0"/>
+                        <a:ea typeface="Cambria Math" panose="02040503050406030204" pitchFamily="18" charset="0"/>
+                        <a:cs typeface="Times New Roman" panose="02020603050405020304" pitchFamily="18" charset="0"/>
+                      </a:rPr>
+                      <m:t>:  </m:t>
+                    </m:r>
+                    <m:acc>
+                      <m:accPr>
+                        <m:chr m:val="̂"/>
                         <m:ctrlPr>
                           <a:rPr kumimoji="1" lang="en-US" altLang="zh-CN" i="1" smtClean="0">
                             <a:latin typeface="Cambria Math" panose="02040503050406030204" pitchFamily="18" charset="0"/>
@@ -12813,7 +12846,7 @@
                             <a:cs typeface="Times New Roman" panose="02020603050405020304" pitchFamily="18" charset="0"/>
                           </a:rPr>
                         </m:ctrlPr>
-                      </m:sSubPr>
+                      </m:accPr>
                       <m:e>
                         <m:r>
                           <a:rPr kumimoji="1" lang="en-US" altLang="zh-CN" b="0" i="1" smtClean="0">
@@ -12821,30 +12854,12 @@
                             <a:ea typeface="Cambria Math" panose="02040503050406030204" pitchFamily="18" charset="0"/>
                             <a:cs typeface="Times New Roman" panose="02020603050405020304" pitchFamily="18" charset="0"/>
                           </a:rPr>
-                          <m:t>: </m:t>
-                        </m:r>
-                        <m:r>
-                          <a:rPr kumimoji="1" lang="en-US" altLang="zh-CN" b="0" i="1" smtClean="0">
-                            <a:latin typeface="Cambria Math" panose="02040503050406030204" pitchFamily="18" charset="0"/>
-                            <a:ea typeface="Cambria Math" panose="02040503050406030204" pitchFamily="18" charset="0"/>
-                            <a:cs typeface="Times New Roman" panose="02020603050405020304" pitchFamily="18" charset="0"/>
-                          </a:rPr>
-                          <m:t>𝑎</m:t>
+                          <m:t>𝑧</m:t>
                         </m:r>
                       </m:e>
-                      <m:sub>
-                        <m:r>
-                          <a:rPr kumimoji="1" lang="en-US" altLang="zh-CN" b="0" i="1" smtClean="0">
-                            <a:latin typeface="Cambria Math" panose="02040503050406030204" pitchFamily="18" charset="0"/>
-                            <a:ea typeface="Cambria Math" panose="02040503050406030204" pitchFamily="18" charset="0"/>
-                            <a:cs typeface="Times New Roman" panose="02020603050405020304" pitchFamily="18" charset="0"/>
-                          </a:rPr>
-                          <m:t>𝑡</m:t>
-                        </m:r>
-                      </m:sub>
-                    </m:sSub>
+                    </m:acc>
                     <m:r>
-                      <a:rPr kumimoji="1" lang="en-US" altLang="zh-CN" b="0" i="1" smtClean="0">
+                      <a:rPr kumimoji="1" lang="en-US" altLang="zh-CN" i="1">
                         <a:latin typeface="Cambria Math" panose="02040503050406030204" pitchFamily="18" charset="0"/>
                         <a:ea typeface="Cambria Math" panose="02040503050406030204" pitchFamily="18" charset="0"/>
                         <a:cs typeface="Times New Roman" panose="02020603050405020304" pitchFamily="18" charset="0"/>
@@ -12852,7 +12867,7 @@
                       <m:t>=</m:t>
                     </m:r>
                     <m:r>
-                      <a:rPr kumimoji="1" lang="en-US" altLang="zh-CN" b="0" i="1" smtClean="0">
+                      <a:rPr kumimoji="1" lang="en-US" altLang="zh-CN" i="1">
                         <a:latin typeface="Cambria Math" panose="02040503050406030204" pitchFamily="18" charset="0"/>
                         <a:ea typeface="Cambria Math" panose="02040503050406030204" pitchFamily="18" charset="0"/>
                         <a:cs typeface="Times New Roman" panose="02020603050405020304" pitchFamily="18" charset="0"/>
@@ -12860,7 +12875,7 @@
                       <m:t>𝜋</m:t>
                     </m:r>
                     <m:r>
-                      <a:rPr kumimoji="1" lang="en-US" altLang="zh-CN" b="0" i="1" smtClean="0">
+                      <a:rPr kumimoji="1" lang="en-US" altLang="zh-CN" i="1">
                         <a:latin typeface="Cambria Math" panose="02040503050406030204" pitchFamily="18" charset="0"/>
                         <a:ea typeface="Cambria Math" panose="02040503050406030204" pitchFamily="18" charset="0"/>
                         <a:cs typeface="Times New Roman" panose="02020603050405020304" pitchFamily="18" charset="0"/>
@@ -12870,7 +12885,7 @@
                     <m:sSub>
                       <m:sSubPr>
                         <m:ctrlPr>
-                          <a:rPr kumimoji="1" lang="en-US" altLang="zh-CN" b="0" i="1" smtClean="0">
+                          <a:rPr kumimoji="1" lang="en-US" altLang="zh-CN" i="1">
                             <a:latin typeface="Cambria Math" panose="02040503050406030204" pitchFamily="18" charset="0"/>
                             <a:ea typeface="Cambria Math" panose="02040503050406030204" pitchFamily="18" charset="0"/>
                             <a:cs typeface="Times New Roman" panose="02020603050405020304" pitchFamily="18" charset="0"/>
@@ -12879,27 +12894,27 @@
                       </m:sSubPr>
                       <m:e>
                         <m:r>
-                          <a:rPr kumimoji="1" lang="en-US" altLang="zh-CN" b="0" i="1" smtClean="0">
+                          <a:rPr kumimoji="1" lang="en-US" altLang="zh-CN" i="1">
                             <a:latin typeface="Cambria Math" panose="02040503050406030204" pitchFamily="18" charset="0"/>
                             <a:ea typeface="Cambria Math" panose="02040503050406030204" pitchFamily="18" charset="0"/>
                             <a:cs typeface="Times New Roman" panose="02020603050405020304" pitchFamily="18" charset="0"/>
                           </a:rPr>
-                          <m:t>𝑠</m:t>
+                          <m:t>𝑜</m:t>
                         </m:r>
                       </m:e>
                       <m:sub>
                         <m:r>
-                          <a:rPr kumimoji="1" lang="en-US" altLang="zh-CN" b="0" i="1" smtClean="0">
+                          <a:rPr kumimoji="1" lang="en-US" altLang="zh-CN" i="1">
                             <a:latin typeface="Cambria Math" panose="02040503050406030204" pitchFamily="18" charset="0"/>
                             <a:ea typeface="Cambria Math" panose="02040503050406030204" pitchFamily="18" charset="0"/>
                             <a:cs typeface="Times New Roman" panose="02020603050405020304" pitchFamily="18" charset="0"/>
                           </a:rPr>
-                          <m:t>𝑡</m:t>
+                          <m:t>𝑓𝑠</m:t>
                         </m:r>
                       </m:sub>
                     </m:sSub>
                     <m:r>
-                      <a:rPr kumimoji="1" lang="en-US" altLang="zh-CN" b="0" i="1" smtClean="0">
+                      <a:rPr kumimoji="1" lang="en-US" altLang="zh-CN" i="1">
                         <a:latin typeface="Cambria Math" panose="02040503050406030204" pitchFamily="18" charset="0"/>
                         <a:ea typeface="Cambria Math" panose="02040503050406030204" pitchFamily="18" charset="0"/>
                         <a:cs typeface="Times New Roman" panose="02020603050405020304" pitchFamily="18" charset="0"/>
@@ -12914,7 +12929,15 @@
                     <a:ea typeface="Cambria Math" panose="02040503050406030204" pitchFamily="18" charset="0"/>
                     <a:cs typeface="Times New Roman" panose="02020603050405020304" pitchFamily="18" charset="0"/>
                   </a:rPr>
-                  <a:t> to minimize </a:t>
+                  <a:t> to maximize t</a:t>
+                </a:r>
+                <a:r>
+                  <a:rPr kumimoji="1" lang="en" altLang="zh-CN" dirty="0">
+                    <a:latin typeface="Times New Roman" panose="02020603050405020304" pitchFamily="18" charset="0"/>
+                    <a:ea typeface="Cambria Math" panose="02040503050406030204" pitchFamily="18" charset="0"/>
+                    <a:cs typeface="Times New Roman" panose="02020603050405020304" pitchFamily="18" charset="0"/>
+                  </a:rPr>
+                  <a:t>he discounted sum of rewards (</a:t>
                 </a:r>
                 <a14:m>
                   <m:oMath xmlns:m="http://schemas.openxmlformats.org/officeDocument/2006/math">
@@ -13158,11 +13181,30 @@
                     </m:d>
                   </m:oMath>
                 </a14:m>
-                <a:endParaRPr kumimoji="1" lang="en-US" altLang="zh-CN" dirty="0">
-                  <a:latin typeface="Times New Roman" panose="02020603050405020304" pitchFamily="18" charset="0"/>
-                  <a:ea typeface="Cambria Math" panose="02040503050406030204" pitchFamily="18" charset="0"/>
-                  <a:cs typeface="Times New Roman" panose="02020603050405020304" pitchFamily="18" charset="0"/>
-                </a:endParaRPr>
+                <a:r>
+                  <a:rPr kumimoji="1" lang="en-US" altLang="zh-CN" dirty="0">
+                    <a:latin typeface="Times New Roman" panose="02020603050405020304" pitchFamily="18" charset="0"/>
+                    <a:ea typeface="Cambria Math" panose="02040503050406030204" pitchFamily="18" charset="0"/>
+                    <a:cs typeface="Times New Roman" panose="02020603050405020304" pitchFamily="18" charset="0"/>
+                  </a:rPr>
+                  <a:t>) </a:t>
+                </a:r>
+                <a:r>
+                  <a:rPr kumimoji="1" lang="en" altLang="zh-CN" dirty="0">
+                    <a:latin typeface="Times New Roman" panose="02020603050405020304" pitchFamily="18" charset="0"/>
+                    <a:ea typeface="Cambria Math" panose="02040503050406030204" pitchFamily="18" charset="0"/>
+                    <a:cs typeface="Times New Roman" panose="02020603050405020304" pitchFamily="18" charset="0"/>
+                  </a:rPr>
+                  <a:t>for the task.</a:t>
+                </a:r>
+                <a:r>
+                  <a:rPr kumimoji="1" lang="en-US" altLang="zh-CN" dirty="0">
+                    <a:latin typeface="Times New Roman" panose="02020603050405020304" pitchFamily="18" charset="0"/>
+                    <a:ea typeface="Cambria Math" panose="02040503050406030204" pitchFamily="18" charset="0"/>
+                    <a:cs typeface="Times New Roman" panose="02020603050405020304" pitchFamily="18" charset="0"/>
+                  </a:rPr>
+                  <a:t> </a:t>
+                </a:r>
               </a:p>
               <a:p>
                 <a:pPr marL="342900" indent="-342900">
@@ -13211,7 +13253,7 @@
             </p:txBody>
           </p:sp>
         </mc:Choice>
-        <mc:Fallback xmlns="">
+        <mc:Fallback>
           <p:sp>
             <p:nvSpPr>
               <p:cNvPr id="5" name="文本框 4">
@@ -13229,7 +13271,7 @@
             <p:spPr>
               <a:xfrm>
                 <a:off x="181938" y="455614"/>
-                <a:ext cx="8822913" cy="1384995"/>
+                <a:ext cx="8822913" cy="1446743"/>
               </a:xfrm>
               <a:prstGeom prst="rect">
                 <a:avLst/>
@@ -13237,7 +13279,7 @@
               <a:blipFill>
                 <a:blip r:embed="rId2"/>
                 <a:stretch>
-                  <a:fillRect l="-1580" t="-5505" b="-9174"/>
+                  <a:fillRect l="-1580" t="-5263" b="-5263"/>
                 </a:stretch>
               </a:blipFill>
             </p:spPr>

--- a/learning/robotics/sailor.pptx
+++ b/learning/robotics/sailor.pptx
@@ -12279,7 +12279,7 @@
                     </a:solidFill>
                     <a:latin typeface="Times" pitchFamily="2" charset="0"/>
                   </a:rPr>
-                  <a:t>loss</a:t>
+                  <a:t> loss</a:t>
                 </a:r>
                 <a:endParaRPr lang="en-US" altLang="zh-CN" sz="1200" b="0" dirty="0">
                   <a:solidFill>
